--- a/Presentations/AI-Driven Copilot for LeWagon Presentation.pptx
+++ b/Presentations/AI-Driven Copilot for LeWagon Presentation.pptx
@@ -152,15 +152,6 @@
   <p188:author id="{B2192F4A-84C0-664B-3348-3F75AA5FD986}" name="Alexandros Siskos | CKS" initials="AC" userId="S::a.siskos@campus-konzept.de::6e3cc7d8-376d-4fda-949b-51522919a7bd" providerId="AD"/>
   <p188:author id="{8BEEB6E3-AAC5-A567-6BB9-AF1F29F28073}" name="Isabel Becht | CKS" initials="IC" userId="S::i.becht@campus-konzept.de::dacf4edb-b5db-4022-b341-5b87c19cff45" providerId="AD"/>
 </p188:authorLst>
-</file>
-
-<file path=ppt/revisionInfo.xml><?xml version="1.0" encoding="utf-8"?>
-<p1510:revInfo xmlns:a="http://schemas.openxmlformats.org/drawingml/2006/main" xmlns:r="http://schemas.openxmlformats.org/officeDocument/2006/relationships" xmlns:p1510="http://schemas.microsoft.com/office/powerpoint/2015/10/main">
-  <p1510:revLst>
-    <p1510:client id="{84204563-964F-1481-2FBF-DFF78CE5E4FF}" v="1" dt="2025-04-24T09:07:24.840"/>
-    <p1510:client id="{E843DB91-5B09-45C6-997B-06A897400C0B}" v="3127" dt="2025-04-24T08:54:12.259"/>
-  </p1510:revLst>
-</p1510:revInfo>
 </file>
 
 <file path=ppt/diagrams/colors1.xml><?xml version="1.0" encoding="utf-8"?>
@@ -3665,44 +3656,11 @@
         <a:lstStyle/>
         <a:p>
           <a:r>
-            <a:rPr lang="de-DE" sz="1200">
+            <a:rPr lang="de-DE" sz="1200" dirty="0">
               <a:latin typeface="Oceanwide QLt" panose="020B0004020203020204" pitchFamily="34" charset="0"/>
             </a:rPr>
-            <a:t>AI </a:t>
+            <a:t>AI tailors course recommen-dations</a:t>
           </a:r>
-          <a:r>
-            <a:rPr lang="de-DE" sz="1200" err="1">
-              <a:latin typeface="Oceanwide QLt" panose="020B0004020203020204" pitchFamily="34" charset="0"/>
-            </a:rPr>
-            <a:t>tailors</a:t>
-          </a:r>
-          <a:r>
-            <a:rPr lang="de-DE" sz="1200">
-              <a:latin typeface="Oceanwide QLt" panose="020B0004020203020204" pitchFamily="34" charset="0"/>
-            </a:rPr>
-            <a:t> </a:t>
-          </a:r>
-          <a:r>
-            <a:rPr lang="de-DE" sz="1200" err="1">
-              <a:latin typeface="Oceanwide QLt" panose="020B0004020203020204" pitchFamily="34" charset="0"/>
-            </a:rPr>
-            <a:t>course</a:t>
-          </a:r>
-          <a:r>
-            <a:rPr lang="de-DE" sz="1200">
-              <a:latin typeface="Oceanwide QLt" panose="020B0004020203020204" pitchFamily="34" charset="0"/>
-            </a:rPr>
-            <a:t> </a:t>
-          </a:r>
-          <a:r>
-            <a:rPr lang="de-DE" sz="1200" err="1">
-              <a:latin typeface="Oceanwide QLt" panose="020B0004020203020204" pitchFamily="34" charset="0"/>
-            </a:rPr>
-            <a:t>recommen-dations</a:t>
-          </a:r>
-          <a:endParaRPr lang="de-DE" sz="1200">
-            <a:latin typeface="Oceanwide QLt" panose="020B0004020203020204" pitchFamily="34" charset="0"/>
-          </a:endParaRPr>
         </a:p>
       </dgm:t>
     </dgm:pt>
@@ -3847,7 +3805,7 @@
       <dgm:spPr/>
     </dgm:pt>
     <dgm:pt modelId="{1F16A7E3-954C-47A0-BDF2-9A519D071E81}" type="pres">
-      <dgm:prSet presAssocID="{81AE16EC-67B9-4B41-9AA0-4DDE59604865}" presName="textB" presStyleLbl="revTx" presStyleIdx="3" presStyleCnt="4">
+      <dgm:prSet presAssocID="{81AE16EC-67B9-4B41-9AA0-4DDE59604865}" presName="textB" presStyleLbl="revTx" presStyleIdx="3" presStyleCnt="4" custLinFactNeighborX="-5565" custLinFactNeighborY="-1392">
         <dgm:presLayoutVars>
           <dgm:bulletEnabled val="1"/>
         </dgm:presLayoutVars>
@@ -5708,7 +5666,7 @@
       </dsp:nvSpPr>
       <dsp:spPr>
         <a:xfrm>
-          <a:off x="3427498" y="2795523"/>
+          <a:off x="3366985" y="2769581"/>
           <a:ext cx="1087376" cy="1863682"/>
         </a:xfrm>
         <a:prstGeom prst="rect">
@@ -5751,48 +5709,15 @@
             <a:buNone/>
           </a:pPr>
           <a:r>
-            <a:rPr lang="de-DE" sz="1200" kern="1200">
+            <a:rPr lang="de-DE" sz="1200" kern="1200" dirty="0">
               <a:latin typeface="Oceanwide QLt" panose="020B0004020203020204" pitchFamily="34" charset="0"/>
             </a:rPr>
-            <a:t>AI </a:t>
+            <a:t>AI tailors course recommen-dations</a:t>
           </a:r>
-          <a:r>
-            <a:rPr lang="de-DE" sz="1200" kern="1200" err="1">
-              <a:latin typeface="Oceanwide QLt" panose="020B0004020203020204" pitchFamily="34" charset="0"/>
-            </a:rPr>
-            <a:t>tailors</a:t>
-          </a:r>
-          <a:r>
-            <a:rPr lang="de-DE" sz="1200" kern="1200">
-              <a:latin typeface="Oceanwide QLt" panose="020B0004020203020204" pitchFamily="34" charset="0"/>
-            </a:rPr>
-            <a:t> </a:t>
-          </a:r>
-          <a:r>
-            <a:rPr lang="de-DE" sz="1200" kern="1200" err="1">
-              <a:latin typeface="Oceanwide QLt" panose="020B0004020203020204" pitchFamily="34" charset="0"/>
-            </a:rPr>
-            <a:t>course</a:t>
-          </a:r>
-          <a:r>
-            <a:rPr lang="de-DE" sz="1200" kern="1200">
-              <a:latin typeface="Oceanwide QLt" panose="020B0004020203020204" pitchFamily="34" charset="0"/>
-            </a:rPr>
-            <a:t> </a:t>
-          </a:r>
-          <a:r>
-            <a:rPr lang="de-DE" sz="1200" kern="1200" err="1">
-              <a:latin typeface="Oceanwide QLt" panose="020B0004020203020204" pitchFamily="34" charset="0"/>
-            </a:rPr>
-            <a:t>recommen-dations</a:t>
-          </a:r>
-          <a:endParaRPr lang="de-DE" sz="1200" kern="1200">
-            <a:latin typeface="Oceanwide QLt" panose="020B0004020203020204" pitchFamily="34" charset="0"/>
-          </a:endParaRPr>
         </a:p>
       </dsp:txBody>
       <dsp:txXfrm>
-        <a:off x="3427498" y="2795523"/>
+        <a:off x="3366985" y="2769581"/>
         <a:ext cx="1087376" cy="1863682"/>
       </dsp:txXfrm>
     </dsp:sp>
@@ -13956,250 +13881,6 @@
   <p:clrMapOvr>
     <a:masterClrMapping/>
   </p:clrMapOvr>
-  <p:timing>
-    <p:tnLst>
-      <p:par>
-        <p:cTn id="1" dur="indefinite" restart="never" nodeType="tmRoot">
-          <p:childTnLst>
-            <p:seq concurrent="1" nextAc="seek">
-              <p:cTn id="2" dur="indefinite" nodeType="mainSeq">
-                <p:childTnLst>
-                  <p:par>
-                    <p:cTn id="3" fill="hold">
-                      <p:stCondLst>
-                        <p:cond delay="indefinite"/>
-                        <p:cond evt="onBegin" delay="0">
-                          <p:tn val="2"/>
-                        </p:cond>
-                      </p:stCondLst>
-                      <p:childTnLst>
-                        <p:par>
-                          <p:cTn id="4" fill="hold">
-                            <p:stCondLst>
-                              <p:cond delay="0"/>
-                            </p:stCondLst>
-                            <p:childTnLst>
-                              <p:par>
-                                <p:cTn id="5" presetID="10" presetClass="entr" presetSubtype="0" fill="hold" grpId="0" nodeType="withEffect">
-                                  <p:stCondLst>
-                                    <p:cond delay="1000"/>
-                                  </p:stCondLst>
-                                  <p:childTnLst>
-                                    <p:set>
-                                      <p:cBhvr>
-                                        <p:cTn id="6" dur="1" fill="hold">
-                                          <p:stCondLst>
-                                            <p:cond delay="0"/>
-                                          </p:stCondLst>
-                                        </p:cTn>
-                                        <p:tgtEl>
-                                          <p:spTgt spid="2"/>
-                                        </p:tgtEl>
-                                        <p:attrNameLst>
-                                          <p:attrName>style.visibility</p:attrName>
-                                        </p:attrNameLst>
-                                      </p:cBhvr>
-                                      <p:to>
-                                        <p:strVal val="visible"/>
-                                      </p:to>
-                                    </p:set>
-                                    <p:animEffect transition="in" filter="fade">
-                                      <p:cBhvr>
-                                        <p:cTn id="7" dur="500"/>
-                                        <p:tgtEl>
-                                          <p:spTgt spid="2"/>
-                                        </p:tgtEl>
-                                      </p:cBhvr>
-                                    </p:animEffect>
-                                  </p:childTnLst>
-                                </p:cTn>
-                              </p:par>
-                            </p:childTnLst>
-                          </p:cTn>
-                        </p:par>
-                        <p:par>
-                          <p:cTn id="8" fill="hold">
-                            <p:stCondLst>
-                              <p:cond delay="1500"/>
-                            </p:stCondLst>
-                            <p:childTnLst>
-                              <p:par>
-                                <p:cTn id="9" presetID="10" presetClass="entr" presetSubtype="0" fill="hold" grpId="0" nodeType="afterEffect">
-                                  <p:stCondLst>
-                                    <p:cond delay="0"/>
-                                  </p:stCondLst>
-                                  <p:iterate type="lt">
-                                    <p:tmPct val="10000"/>
-                                  </p:iterate>
-                                  <p:childTnLst>
-                                    <p:set>
-                                      <p:cBhvr>
-                                        <p:cTn id="10" dur="1" fill="hold">
-                                          <p:stCondLst>
-                                            <p:cond delay="0"/>
-                                          </p:stCondLst>
-                                        </p:cTn>
-                                        <p:tgtEl>
-                                          <p:spTgt spid="7"/>
-                                        </p:tgtEl>
-                                        <p:attrNameLst>
-                                          <p:attrName>style.visibility</p:attrName>
-                                        </p:attrNameLst>
-                                      </p:cBhvr>
-                                      <p:to>
-                                        <p:strVal val="visible"/>
-                                      </p:to>
-                                    </p:set>
-                                    <p:animEffect transition="in" filter="fade">
-                                      <p:cBhvr>
-                                        <p:cTn id="11" dur="500"/>
-                                        <p:tgtEl>
-                                          <p:spTgt spid="7"/>
-                                        </p:tgtEl>
-                                      </p:cBhvr>
-                                    </p:animEffect>
-                                  </p:childTnLst>
-                                </p:cTn>
-                              </p:par>
-                            </p:childTnLst>
-                          </p:cTn>
-                        </p:par>
-                      </p:childTnLst>
-                    </p:cTn>
-                  </p:par>
-                  <p:par>
-                    <p:cTn id="12" fill="hold">
-                      <p:stCondLst>
-                        <p:cond delay="indefinite"/>
-                      </p:stCondLst>
-                      <p:childTnLst>
-                        <p:par>
-                          <p:cTn id="13" fill="hold">
-                            <p:stCondLst>
-                              <p:cond delay="0"/>
-                            </p:stCondLst>
-                            <p:childTnLst>
-                              <p:par>
-                                <p:cTn id="14" presetID="10" presetClass="entr" presetSubtype="0" fill="hold" nodeType="clickEffect">
-                                  <p:stCondLst>
-                                    <p:cond delay="0"/>
-                                  </p:stCondLst>
-                                  <p:childTnLst>
-                                    <p:set>
-                                      <p:cBhvr>
-                                        <p:cTn id="15" dur="1" fill="hold">
-                                          <p:stCondLst>
-                                            <p:cond delay="0"/>
-                                          </p:stCondLst>
-                                        </p:cTn>
-                                        <p:tgtEl>
-                                          <p:spTgt spid="5"/>
-                                        </p:tgtEl>
-                                        <p:attrNameLst>
-                                          <p:attrName>style.visibility</p:attrName>
-                                        </p:attrNameLst>
-                                      </p:cBhvr>
-                                      <p:to>
-                                        <p:strVal val="visible"/>
-                                      </p:to>
-                                    </p:set>
-                                    <p:animEffect transition="in" filter="fade">
-                                      <p:cBhvr>
-                                        <p:cTn id="16" dur="1000"/>
-                                        <p:tgtEl>
-                                          <p:spTgt spid="5"/>
-                                        </p:tgtEl>
-                                      </p:cBhvr>
-                                    </p:animEffect>
-                                  </p:childTnLst>
-                                </p:cTn>
-                              </p:par>
-                            </p:childTnLst>
-                          </p:cTn>
-                        </p:par>
-                      </p:childTnLst>
-                    </p:cTn>
-                  </p:par>
-                  <p:par>
-                    <p:cTn id="17" fill="hold">
-                      <p:stCondLst>
-                        <p:cond delay="indefinite"/>
-                      </p:stCondLst>
-                      <p:childTnLst>
-                        <p:par>
-                          <p:cTn id="18" fill="hold">
-                            <p:stCondLst>
-                              <p:cond delay="0"/>
-                            </p:stCondLst>
-                            <p:childTnLst>
-                              <p:par>
-                                <p:cTn id="19" presetID="10" presetClass="entr" presetSubtype="0" fill="hold" grpId="0" nodeType="clickEffect">
-                                  <p:stCondLst>
-                                    <p:cond delay="0"/>
-                                  </p:stCondLst>
-                                  <p:childTnLst>
-                                    <p:set>
-                                      <p:cBhvr>
-                                        <p:cTn id="20" dur="1" fill="hold">
-                                          <p:stCondLst>
-                                            <p:cond delay="0"/>
-                                          </p:stCondLst>
-                                        </p:cTn>
-                                        <p:tgtEl>
-                                          <p:spTgt spid="4"/>
-                                        </p:tgtEl>
-                                        <p:attrNameLst>
-                                          <p:attrName>style.visibility</p:attrName>
-                                        </p:attrNameLst>
-                                      </p:cBhvr>
-                                      <p:to>
-                                        <p:strVal val="visible"/>
-                                      </p:to>
-                                    </p:set>
-                                    <p:animEffect transition="in" filter="fade">
-                                      <p:cBhvr>
-                                        <p:cTn id="21" dur="500"/>
-                                        <p:tgtEl>
-                                          <p:spTgt spid="4"/>
-                                        </p:tgtEl>
-                                      </p:cBhvr>
-                                    </p:animEffect>
-                                  </p:childTnLst>
-                                </p:cTn>
-                              </p:par>
-                            </p:childTnLst>
-                          </p:cTn>
-                        </p:par>
-                      </p:childTnLst>
-                    </p:cTn>
-                  </p:par>
-                </p:childTnLst>
-              </p:cTn>
-              <p:prevCondLst>
-                <p:cond evt="onPrev" delay="0">
-                  <p:tgtEl>
-                    <p:sldTgt/>
-                  </p:tgtEl>
-                </p:cond>
-              </p:prevCondLst>
-              <p:nextCondLst>
-                <p:cond evt="onNext" delay="0">
-                  <p:tgtEl>
-                    <p:sldTgt/>
-                  </p:tgtEl>
-                </p:cond>
-              </p:nextCondLst>
-            </p:seq>
-          </p:childTnLst>
-        </p:cTn>
-      </p:par>
-    </p:tnLst>
-    <p:bldLst>
-      <p:bldP spid="2" grpId="0"/>
-      <p:bldP spid="4" grpId="0"/>
-      <p:bldP spid="7" grpId="0"/>
-    </p:bldLst>
-  </p:timing>
 </p:sld>
 </file>
 
@@ -14844,91 +14525,27 @@
               <a:buChar char="ü"/>
             </a:pPr>
             <a:r>
-              <a:rPr lang="de-DE">
+              <a:rPr lang="de-DE" dirty="0">
                 <a:solidFill>
                   <a:schemeClr val="accent1"/>
                 </a:solidFill>
               </a:rPr>
-              <a:t> </a:t>
-            </a:r>
-            <a:r>
-              <a:rPr lang="de-DE" err="1">
-                <a:solidFill>
-                  <a:schemeClr val="accent1"/>
-                </a:solidFill>
-              </a:rPr>
-              <a:t>Pressure</a:t>
-            </a:r>
-            <a:r>
-              <a:rPr lang="de-DE">
-                <a:solidFill>
-                  <a:schemeClr val="accent1"/>
-                </a:solidFill>
-              </a:rPr>
-              <a:t> to </a:t>
-            </a:r>
-            <a:r>
-              <a:rPr lang="de-DE" err="1">
-                <a:solidFill>
-                  <a:schemeClr val="accent1"/>
-                </a:solidFill>
-              </a:rPr>
-              <a:t>learn</a:t>
-            </a:r>
-            <a:r>
-              <a:rPr lang="de-DE">
-                <a:solidFill>
-                  <a:schemeClr val="accent1"/>
-                </a:solidFill>
-              </a:rPr>
-              <a:t> a </a:t>
+              <a:t> Pressure to learn a </a:t>
             </a:r>
             <a:br>
-              <a:rPr lang="de-DE">
+              <a:rPr lang="de-DE" dirty="0">
                 <a:solidFill>
                   <a:schemeClr val="accent1"/>
                 </a:solidFill>
               </a:rPr>
             </a:br>
             <a:r>
-              <a:rPr lang="de-DE">
+              <a:rPr lang="de-DE" dirty="0">
                 <a:solidFill>
                   <a:schemeClr val="accent1"/>
                 </a:solidFill>
               </a:rPr>
-              <a:t> </a:t>
-            </a:r>
-            <a:r>
-              <a:rPr lang="de-DE" err="1">
-                <a:solidFill>
-                  <a:schemeClr val="accent1"/>
-                </a:solidFill>
-              </a:rPr>
-              <a:t>lot</a:t>
-            </a:r>
-            <a:r>
-              <a:rPr lang="de-DE">
-                <a:solidFill>
-                  <a:schemeClr val="accent1"/>
-                </a:solidFill>
-              </a:rPr>
-              <a:t> in a </a:t>
-            </a:r>
-            <a:r>
-              <a:rPr lang="de-DE" err="1">
-                <a:solidFill>
-                  <a:schemeClr val="accent1"/>
-                </a:solidFill>
-              </a:rPr>
-              <a:t>short</a:t>
-            </a:r>
-            <a:r>
-              <a:rPr lang="de-DE">
-                <a:solidFill>
-                  <a:schemeClr val="accent1"/>
-                </a:solidFill>
-              </a:rPr>
-              <a:t> time</a:t>
+              <a:t> lot in a short time</a:t>
             </a:r>
           </a:p>
           <a:p>
@@ -14936,7 +14553,7 @@
               <a:buFont typeface="Wingdings" panose="05000000000000000000" pitchFamily="2" charset="2"/>
               <a:buChar char="ü"/>
             </a:pPr>
-            <a:endParaRPr lang="de-DE">
+            <a:endParaRPr lang="de-DE" dirty="0">
               <a:solidFill>
                 <a:schemeClr val="accent1"/>
               </a:solidFill>
@@ -15141,126 +14758,49 @@
               <a:buChar char="ü"/>
             </a:pPr>
             <a:r>
-              <a:rPr lang="de-DE">
+              <a:rPr lang="de-DE" dirty="0">
                 <a:solidFill>
                   <a:schemeClr val="accent1"/>
                 </a:solidFill>
               </a:rPr>
-              <a:t> </a:t>
-            </a:r>
-            <a:r>
-              <a:rPr lang="de-DE" err="1">
-                <a:solidFill>
-                  <a:schemeClr val="accent1"/>
-                </a:solidFill>
-              </a:rPr>
-              <a:t>Disconnected</a:t>
-            </a:r>
-            <a:r>
-              <a:rPr lang="de-DE">
-                <a:solidFill>
-                  <a:schemeClr val="accent1"/>
-                </a:solidFill>
-              </a:rPr>
-              <a:t>  </a:t>
+              <a:t> Disconnected  </a:t>
             </a:r>
             <a:br>
-              <a:rPr lang="de-DE">
+              <a:rPr lang="de-DE" dirty="0">
                 <a:solidFill>
                   <a:schemeClr val="accent1"/>
                 </a:solidFill>
               </a:rPr>
             </a:br>
             <a:r>
-              <a:rPr lang="de-DE">
+              <a:rPr lang="de-DE" dirty="0">
                 <a:solidFill>
                   <a:schemeClr val="accent1"/>
                 </a:solidFill>
               </a:rPr>
-              <a:t> </a:t>
-            </a:r>
-            <a:r>
-              <a:rPr lang="de-DE" err="1">
-                <a:solidFill>
-                  <a:schemeClr val="accent1"/>
-                </a:solidFill>
-              </a:rPr>
-              <a:t>between</a:t>
-            </a:r>
-            <a:r>
-              <a:rPr lang="de-DE">
-                <a:solidFill>
-                  <a:schemeClr val="accent1"/>
-                </a:solidFill>
-              </a:rPr>
-              <a:t> </a:t>
-            </a:r>
-            <a:r>
-              <a:rPr lang="de-DE" err="1">
-                <a:solidFill>
-                  <a:schemeClr val="accent1"/>
-                </a:solidFill>
-              </a:rPr>
-              <a:t>old</a:t>
-            </a:r>
-            <a:r>
-              <a:rPr lang="de-DE">
-                <a:solidFill>
-                  <a:schemeClr val="accent1"/>
-                </a:solidFill>
-              </a:rPr>
-              <a:t> &amp; </a:t>
-            </a:r>
-            <a:r>
-              <a:rPr lang="de-DE" err="1">
-                <a:solidFill>
-                  <a:schemeClr val="accent1"/>
-                </a:solidFill>
-              </a:rPr>
-              <a:t>new</a:t>
-            </a:r>
-            <a:r>
-              <a:rPr lang="de-DE">
-                <a:solidFill>
-                  <a:schemeClr val="accent1"/>
-                </a:solidFill>
-              </a:rPr>
-              <a:t> </a:t>
+              <a:t> between old &amp; new </a:t>
             </a:r>
             <a:br>
-              <a:rPr lang="de-DE">
+              <a:rPr lang="de-DE" dirty="0">
                 <a:solidFill>
                   <a:schemeClr val="accent1"/>
                 </a:solidFill>
               </a:rPr>
             </a:br>
             <a:r>
-              <a:rPr lang="de-DE">
+              <a:rPr lang="de-DE" dirty="0">
                 <a:solidFill>
                   <a:schemeClr val="accent1"/>
                 </a:solidFill>
               </a:rPr>
-              <a:t> </a:t>
+              <a:t> skills</a:t>
             </a:r>
-            <a:r>
-              <a:rPr lang="de-DE" err="1">
-                <a:solidFill>
-                  <a:schemeClr val="accent1"/>
-                </a:solidFill>
-              </a:rPr>
-              <a:t>skills</a:t>
-            </a:r>
-            <a:endParaRPr lang="de-DE">
-              <a:solidFill>
-                <a:schemeClr val="accent1"/>
-              </a:solidFill>
-            </a:endParaRPr>
           </a:p>
           <a:p>
             <a:pPr marL="0" indent="0">
               <a:buNone/>
             </a:pPr>
-            <a:endParaRPr lang="de-DE">
+            <a:endParaRPr lang="de-DE" dirty="0">
               <a:solidFill>
                 <a:schemeClr val="accent1"/>
               </a:solidFill>
@@ -15586,7 +15126,7 @@
             <a:pPr marL="0" indent="0">
               <a:buNone/>
             </a:pPr>
-            <a:endParaRPr lang="de-DE">
+            <a:endParaRPr lang="de-DE" dirty="0">
               <a:solidFill>
                 <a:schemeClr val="accent1"/>
               </a:solidFill>
@@ -15598,7 +15138,7 @@
               <a:buChar char="ü"/>
             </a:pPr>
             <a:r>
-              <a:rPr lang="en-US" b="1">
+              <a:rPr lang="en-US" b="1" dirty="0">
                 <a:solidFill>
                   <a:schemeClr val="accent5"/>
                 </a:solidFill>
@@ -15606,14 +15146,14 @@
               <a:t> Daily </a:t>
             </a:r>
             <a:br>
-              <a:rPr lang="en-US" b="1">
+              <a:rPr lang="en-US" b="1" dirty="0">
                 <a:solidFill>
                   <a:schemeClr val="accent5"/>
                 </a:solidFill>
               </a:rPr>
             </a:br>
             <a:r>
-              <a:rPr lang="en-US" b="1">
+              <a:rPr lang="en-US" b="1" dirty="0">
                 <a:solidFill>
                   <a:schemeClr val="accent5"/>
                 </a:solidFill>
@@ -15621,14 +15161,14 @@
               <a:t> Reflection to </a:t>
             </a:r>
             <a:br>
-              <a:rPr lang="en-US" b="1">
+              <a:rPr lang="en-US" b="1" dirty="0">
                 <a:solidFill>
                   <a:schemeClr val="accent5"/>
                 </a:solidFill>
               </a:rPr>
             </a:br>
             <a:r>
-              <a:rPr lang="en-US" b="1">
+              <a:rPr lang="en-US" b="1" dirty="0">
                 <a:solidFill>
                   <a:schemeClr val="accent5"/>
                 </a:solidFill>
@@ -15636,14 +15176,14 @@
               <a:t> evaluate </a:t>
             </a:r>
             <a:br>
-              <a:rPr lang="en-US" b="1">
+              <a:rPr lang="en-US" b="1" dirty="0">
                 <a:solidFill>
                   <a:schemeClr val="accent5"/>
                 </a:solidFill>
               </a:rPr>
             </a:br>
             <a:r>
-              <a:rPr lang="en-US" b="1">
+              <a:rPr lang="en-US" b="1" dirty="0">
                 <a:solidFill>
                   <a:schemeClr val="accent5"/>
                 </a:solidFill>
@@ -15849,7 +15389,7 @@
               <a:buFont typeface="Wingdings" panose="05000000000000000000" pitchFamily="2" charset="2"/>
               <a:buChar char="ü"/>
             </a:pPr>
-            <a:endParaRPr lang="de-DE">
+            <a:endParaRPr lang="de-DE" dirty="0">
               <a:solidFill>
                 <a:schemeClr val="accent1"/>
               </a:solidFill>
@@ -15861,7 +15401,7 @@
               <a:buChar char="ü"/>
             </a:pPr>
             <a:r>
-              <a:rPr lang="de-DE">
+              <a:rPr lang="de-DE" dirty="0">
                 <a:solidFill>
                   <a:schemeClr val="accent5"/>
                 </a:solidFill>
@@ -15870,7 +15410,7 @@
               <a:t> Flexible &amp; </a:t>
             </a:r>
             <a:br>
-              <a:rPr lang="de-DE">
+              <a:rPr lang="de-DE" dirty="0">
                 <a:solidFill>
                   <a:schemeClr val="accent5"/>
                 </a:solidFill>
@@ -15878,7 +15418,7 @@
               </a:rPr>
             </a:br>
             <a:r>
-              <a:rPr lang="de-DE">
+              <a:rPr lang="de-DE" dirty="0">
                 <a:solidFill>
                   <a:schemeClr val="accent5"/>
                 </a:solidFill>
@@ -15887,7 +15427,7 @@
               <a:t> </a:t>
             </a:r>
             <a:r>
-              <a:rPr lang="de-DE" err="1">
+              <a:rPr lang="de-DE" dirty="0">
                 <a:solidFill>
                   <a:schemeClr val="accent5"/>
                 </a:solidFill>
@@ -15895,25 +15435,16 @@
               <a:t>i</a:t>
             </a:r>
             <a:r>
-              <a:rPr lang="de-DE" err="1">
+              <a:rPr lang="de-DE" dirty="0">
                 <a:solidFill>
                   <a:schemeClr val="accent5"/>
                 </a:solidFill>
                 <a:latin typeface="Oceanwide QLt" panose="020B0004020203020204" pitchFamily="34" charset="0"/>
               </a:rPr>
-              <a:t>ndividualized</a:t>
-            </a:r>
-            <a:r>
-              <a:rPr lang="de-DE">
-                <a:solidFill>
-                  <a:schemeClr val="accent5"/>
-                </a:solidFill>
-                <a:latin typeface="Oceanwide QLt" panose="020B0004020203020204" pitchFamily="34" charset="0"/>
-              </a:rPr>
-              <a:t> </a:t>
+              <a:t>ndividualized </a:t>
             </a:r>
             <a:br>
-              <a:rPr lang="de-DE">
+              <a:rPr lang="de-DE" dirty="0">
                 <a:solidFill>
                   <a:schemeClr val="accent5"/>
                 </a:solidFill>
@@ -15921,7 +15452,7 @@
               </a:rPr>
             </a:br>
             <a:r>
-              <a:rPr lang="de-DE">
+              <a:rPr lang="de-DE" dirty="0">
                 <a:solidFill>
                   <a:schemeClr val="accent5"/>
                 </a:solidFill>
@@ -15930,7 +15461,7 @@
               <a:t> Study Experience, </a:t>
             </a:r>
             <a:br>
-              <a:rPr lang="de-DE">
+              <a:rPr lang="de-DE" dirty="0">
                 <a:solidFill>
                   <a:schemeClr val="accent5"/>
                 </a:solidFill>
@@ -15938,52 +15469,16 @@
               </a:rPr>
             </a:br>
             <a:r>
-              <a:rPr lang="de-DE">
+              <a:rPr lang="de-DE" dirty="0">
                 <a:solidFill>
                   <a:schemeClr val="accent5"/>
                 </a:solidFill>
                 <a:latin typeface="Oceanwide QLt" panose="020B0004020203020204" pitchFamily="34" charset="0"/>
               </a:rPr>
-              <a:t> </a:t>
-            </a:r>
-            <a:r>
-              <a:rPr lang="de-DE" err="1">
-                <a:solidFill>
-                  <a:schemeClr val="accent5"/>
-                </a:solidFill>
-                <a:latin typeface="Oceanwide QLt" panose="020B0004020203020204" pitchFamily="34" charset="0"/>
-              </a:rPr>
-              <a:t>catering</a:t>
-            </a:r>
-            <a:r>
-              <a:rPr lang="de-DE">
-                <a:solidFill>
-                  <a:schemeClr val="accent5"/>
-                </a:solidFill>
-                <a:latin typeface="Oceanwide QLt" panose="020B0004020203020204" pitchFamily="34" charset="0"/>
-              </a:rPr>
-              <a:t> to </a:t>
-            </a:r>
-            <a:r>
-              <a:rPr lang="de-DE" err="1">
-                <a:solidFill>
-                  <a:schemeClr val="accent5"/>
-                </a:solidFill>
-                <a:latin typeface="Oceanwide QLt" panose="020B0004020203020204" pitchFamily="34" charset="0"/>
-              </a:rPr>
-              <a:t>user‘s</a:t>
-            </a:r>
-            <a:r>
-              <a:rPr lang="de-DE">
-                <a:solidFill>
-                  <a:schemeClr val="accent5"/>
-                </a:solidFill>
-                <a:latin typeface="Oceanwide QLt" panose="020B0004020203020204" pitchFamily="34" charset="0"/>
-              </a:rPr>
-              <a:t>  </a:t>
+              <a:t> catering to user‘s  </a:t>
             </a:r>
             <a:br>
-              <a:rPr lang="de-DE">
+              <a:rPr lang="de-DE" dirty="0">
                 <a:solidFill>
                   <a:schemeClr val="accent5"/>
                 </a:solidFill>
@@ -15991,34 +15486,16 @@
               </a:rPr>
             </a:br>
             <a:r>
-              <a:rPr lang="de-DE">
+              <a:rPr lang="de-DE" dirty="0">
                 <a:solidFill>
                   <a:schemeClr val="accent5"/>
                 </a:solidFill>
                 <a:latin typeface="Oceanwide QLt" panose="020B0004020203020204" pitchFamily="34" charset="0"/>
               </a:rPr>
-              <a:t> </a:t>
-            </a:r>
-            <a:r>
-              <a:rPr lang="de-DE" err="1">
-                <a:solidFill>
-                  <a:schemeClr val="accent5"/>
-                </a:solidFill>
-                <a:latin typeface="Oceanwide QLt" panose="020B0004020203020204" pitchFamily="34" charset="0"/>
-              </a:rPr>
-              <a:t>strengths</a:t>
-            </a:r>
-            <a:r>
-              <a:rPr lang="de-DE">
-                <a:solidFill>
-                  <a:schemeClr val="accent5"/>
-                </a:solidFill>
-                <a:latin typeface="Oceanwide QLt" panose="020B0004020203020204" pitchFamily="34" charset="0"/>
-              </a:rPr>
-              <a:t> and </a:t>
+              <a:t> strengths and </a:t>
             </a:r>
             <a:br>
-              <a:rPr lang="de-DE">
+              <a:rPr lang="de-DE" dirty="0">
                 <a:solidFill>
                   <a:schemeClr val="accent5"/>
                 </a:solidFill>
@@ -16026,36 +15503,21 @@
               </a:rPr>
             </a:br>
             <a:r>
-              <a:rPr lang="de-DE">
+              <a:rPr lang="de-DE" dirty="0">
                 <a:solidFill>
                   <a:schemeClr val="accent5"/>
                 </a:solidFill>
                 <a:latin typeface="Oceanwide QLt" panose="020B0004020203020204" pitchFamily="34" charset="0"/>
               </a:rPr>
-              <a:t> </a:t>
+              <a:t> preferences</a:t>
             </a:r>
-            <a:r>
-              <a:rPr lang="de-DE" err="1">
-                <a:solidFill>
-                  <a:schemeClr val="accent5"/>
-                </a:solidFill>
-                <a:latin typeface="Oceanwide QLt" panose="020B0004020203020204" pitchFamily="34" charset="0"/>
-              </a:rPr>
-              <a:t>preferences</a:t>
-            </a:r>
-            <a:endParaRPr lang="de-DE">
-              <a:solidFill>
-                <a:schemeClr val="accent5"/>
-              </a:solidFill>
-              <a:latin typeface="Oceanwide QLt" panose="020B0004020203020204" pitchFamily="34" charset="0"/>
-            </a:endParaRPr>
           </a:p>
           <a:p>
             <a:pPr>
               <a:buFont typeface="Wingdings" panose="05000000000000000000" pitchFamily="2" charset="2"/>
               <a:buChar char="ü"/>
             </a:pPr>
-            <a:endParaRPr lang="de-DE">
+            <a:endParaRPr lang="de-DE" dirty="0">
               <a:solidFill>
                 <a:schemeClr val="accent1"/>
               </a:solidFill>
@@ -16426,431 +15888,6 @@
   <p:clrMapOvr>
     <a:masterClrMapping/>
   </p:clrMapOvr>
-  <p:timing>
-    <p:tnLst>
-      <p:par>
-        <p:cTn id="1" dur="indefinite" restart="never" nodeType="tmRoot">
-          <p:childTnLst>
-            <p:seq concurrent="1" nextAc="seek">
-              <p:cTn id="2" dur="indefinite" nodeType="mainSeq">
-                <p:childTnLst>
-                  <p:par>
-                    <p:cTn id="3" fill="hold">
-                      <p:stCondLst>
-                        <p:cond delay="indefinite"/>
-                      </p:stCondLst>
-                      <p:childTnLst>
-                        <p:par>
-                          <p:cTn id="4" fill="hold">
-                            <p:stCondLst>
-                              <p:cond delay="0"/>
-                            </p:stCondLst>
-                            <p:childTnLst>
-                              <p:par>
-                                <p:cTn id="5" presetID="10" presetClass="entr" presetSubtype="0" fill="hold" grpId="0" nodeType="clickEffect">
-                                  <p:stCondLst>
-                                    <p:cond delay="0"/>
-                                  </p:stCondLst>
-                                  <p:childTnLst>
-                                    <p:set>
-                                      <p:cBhvr>
-                                        <p:cTn id="6" dur="1" fill="hold">
-                                          <p:stCondLst>
-                                            <p:cond delay="0"/>
-                                          </p:stCondLst>
-                                        </p:cTn>
-                                        <p:tgtEl>
-                                          <p:spTgt spid="5"/>
-                                        </p:tgtEl>
-                                        <p:attrNameLst>
-                                          <p:attrName>style.visibility</p:attrName>
-                                        </p:attrNameLst>
-                                      </p:cBhvr>
-                                      <p:to>
-                                        <p:strVal val="visible"/>
-                                      </p:to>
-                                    </p:set>
-                                    <p:animEffect transition="in" filter="fade">
-                                      <p:cBhvr>
-                                        <p:cTn id="7" dur="500"/>
-                                        <p:tgtEl>
-                                          <p:spTgt spid="5"/>
-                                        </p:tgtEl>
-                                      </p:cBhvr>
-                                    </p:animEffect>
-                                  </p:childTnLst>
-                                </p:cTn>
-                              </p:par>
-                            </p:childTnLst>
-                          </p:cTn>
-                        </p:par>
-                      </p:childTnLst>
-                    </p:cTn>
-                  </p:par>
-                  <p:par>
-                    <p:cTn id="8" fill="hold">
-                      <p:stCondLst>
-                        <p:cond delay="indefinite"/>
-                      </p:stCondLst>
-                      <p:childTnLst>
-                        <p:par>
-                          <p:cTn id="9" fill="hold">
-                            <p:stCondLst>
-                              <p:cond delay="0"/>
-                            </p:stCondLst>
-                            <p:childTnLst>
-                              <p:par>
-                                <p:cTn id="10" presetID="10" presetClass="entr" presetSubtype="0" fill="hold" grpId="0" nodeType="clickEffect">
-                                  <p:stCondLst>
-                                    <p:cond delay="0"/>
-                                  </p:stCondLst>
-                                  <p:childTnLst>
-                                    <p:set>
-                                      <p:cBhvr>
-                                        <p:cTn id="11" dur="1" fill="hold">
-                                          <p:stCondLst>
-                                            <p:cond delay="0"/>
-                                          </p:stCondLst>
-                                        </p:cTn>
-                                        <p:tgtEl>
-                                          <p:spTgt spid="8"/>
-                                        </p:tgtEl>
-                                        <p:attrNameLst>
-                                          <p:attrName>style.visibility</p:attrName>
-                                        </p:attrNameLst>
-                                      </p:cBhvr>
-                                      <p:to>
-                                        <p:strVal val="visible"/>
-                                      </p:to>
-                                    </p:set>
-                                    <p:animEffect transition="in" filter="fade">
-                                      <p:cBhvr>
-                                        <p:cTn id="12" dur="500"/>
-                                        <p:tgtEl>
-                                          <p:spTgt spid="8"/>
-                                        </p:tgtEl>
-                                      </p:cBhvr>
-                                    </p:animEffect>
-                                  </p:childTnLst>
-                                </p:cTn>
-                              </p:par>
-                            </p:childTnLst>
-                          </p:cTn>
-                        </p:par>
-                      </p:childTnLst>
-                    </p:cTn>
-                  </p:par>
-                  <p:par>
-                    <p:cTn id="13" fill="hold">
-                      <p:stCondLst>
-                        <p:cond delay="indefinite"/>
-                      </p:stCondLst>
-                      <p:childTnLst>
-                        <p:par>
-                          <p:cTn id="14" fill="hold">
-                            <p:stCondLst>
-                              <p:cond delay="0"/>
-                            </p:stCondLst>
-                            <p:childTnLst>
-                              <p:par>
-                                <p:cTn id="15" presetID="10" presetClass="entr" presetSubtype="0" fill="hold" grpId="0" nodeType="clickEffect">
-                                  <p:stCondLst>
-                                    <p:cond delay="0"/>
-                                  </p:stCondLst>
-                                  <p:childTnLst>
-                                    <p:set>
-                                      <p:cBhvr>
-                                        <p:cTn id="16" dur="1" fill="hold">
-                                          <p:stCondLst>
-                                            <p:cond delay="0"/>
-                                          </p:stCondLst>
-                                        </p:cTn>
-                                        <p:tgtEl>
-                                          <p:spTgt spid="4"/>
-                                        </p:tgtEl>
-                                        <p:attrNameLst>
-                                          <p:attrName>style.visibility</p:attrName>
-                                        </p:attrNameLst>
-                                      </p:cBhvr>
-                                      <p:to>
-                                        <p:strVal val="visible"/>
-                                      </p:to>
-                                    </p:set>
-                                    <p:animEffect transition="in" filter="fade">
-                                      <p:cBhvr>
-                                        <p:cTn id="17" dur="500"/>
-                                        <p:tgtEl>
-                                          <p:spTgt spid="4"/>
-                                        </p:tgtEl>
-                                      </p:cBhvr>
-                                    </p:animEffect>
-                                  </p:childTnLst>
-                                </p:cTn>
-                              </p:par>
-                            </p:childTnLst>
-                          </p:cTn>
-                        </p:par>
-                      </p:childTnLst>
-                    </p:cTn>
-                  </p:par>
-                  <p:par>
-                    <p:cTn id="18" fill="hold">
-                      <p:stCondLst>
-                        <p:cond delay="indefinite"/>
-                      </p:stCondLst>
-                      <p:childTnLst>
-                        <p:par>
-                          <p:cTn id="19" fill="hold">
-                            <p:stCondLst>
-                              <p:cond delay="0"/>
-                            </p:stCondLst>
-                            <p:childTnLst>
-                              <p:par>
-                                <p:cTn id="20" presetID="10" presetClass="entr" presetSubtype="0" fill="hold" grpId="0" nodeType="clickEffect">
-                                  <p:stCondLst>
-                                    <p:cond delay="0"/>
-                                  </p:stCondLst>
-                                  <p:childTnLst>
-                                    <p:set>
-                                      <p:cBhvr>
-                                        <p:cTn id="21" dur="1" fill="hold">
-                                          <p:stCondLst>
-                                            <p:cond delay="0"/>
-                                          </p:stCondLst>
-                                        </p:cTn>
-                                        <p:tgtEl>
-                                          <p:spTgt spid="14"/>
-                                        </p:tgtEl>
-                                        <p:attrNameLst>
-                                          <p:attrName>style.visibility</p:attrName>
-                                        </p:attrNameLst>
-                                      </p:cBhvr>
-                                      <p:to>
-                                        <p:strVal val="visible"/>
-                                      </p:to>
-                                    </p:set>
-                                    <p:animEffect transition="in" filter="fade">
-                                      <p:cBhvr>
-                                        <p:cTn id="22" dur="500"/>
-                                        <p:tgtEl>
-                                          <p:spTgt spid="14"/>
-                                        </p:tgtEl>
-                                      </p:cBhvr>
-                                    </p:animEffect>
-                                  </p:childTnLst>
-                                </p:cTn>
-                              </p:par>
-                            </p:childTnLst>
-                          </p:cTn>
-                        </p:par>
-                      </p:childTnLst>
-                    </p:cTn>
-                  </p:par>
-                  <p:par>
-                    <p:cTn id="23" fill="hold">
-                      <p:stCondLst>
-                        <p:cond delay="indefinite"/>
-                      </p:stCondLst>
-                      <p:childTnLst>
-                        <p:par>
-                          <p:cTn id="24" fill="hold">
-                            <p:stCondLst>
-                              <p:cond delay="0"/>
-                            </p:stCondLst>
-                            <p:childTnLst>
-                              <p:par>
-                                <p:cTn id="25" presetID="10" presetClass="entr" presetSubtype="0" fill="hold" grpId="0" nodeType="clickEffect">
-                                  <p:stCondLst>
-                                    <p:cond delay="0"/>
-                                  </p:stCondLst>
-                                  <p:childTnLst>
-                                    <p:set>
-                                      <p:cBhvr>
-                                        <p:cTn id="26" dur="1" fill="hold">
-                                          <p:stCondLst>
-                                            <p:cond delay="0"/>
-                                          </p:stCondLst>
-                                        </p:cTn>
-                                        <p:tgtEl>
-                                          <p:spTgt spid="3">
-                                            <p:txEl>
-                                              <p:pRg st="0" end="0"/>
-                                            </p:txEl>
-                                          </p:spTgt>
-                                        </p:tgtEl>
-                                        <p:attrNameLst>
-                                          <p:attrName>style.visibility</p:attrName>
-                                        </p:attrNameLst>
-                                      </p:cBhvr>
-                                      <p:to>
-                                        <p:strVal val="visible"/>
-                                      </p:to>
-                                    </p:set>
-                                    <p:animEffect transition="in" filter="fade">
-                                      <p:cBhvr>
-                                        <p:cTn id="27" dur="500"/>
-                                        <p:tgtEl>
-                                          <p:spTgt spid="3">
-                                            <p:txEl>
-                                              <p:pRg st="0" end="0"/>
-                                            </p:txEl>
-                                          </p:spTgt>
-                                        </p:tgtEl>
-                                      </p:cBhvr>
-                                    </p:animEffect>
-                                  </p:childTnLst>
-                                </p:cTn>
-                              </p:par>
-                            </p:childTnLst>
-                          </p:cTn>
-                        </p:par>
-                      </p:childTnLst>
-                    </p:cTn>
-                  </p:par>
-                  <p:par>
-                    <p:cTn id="28" fill="hold">
-                      <p:stCondLst>
-                        <p:cond delay="indefinite"/>
-                      </p:stCondLst>
-                      <p:childTnLst>
-                        <p:par>
-                          <p:cTn id="29" fill="hold">
-                            <p:stCondLst>
-                              <p:cond delay="0"/>
-                            </p:stCondLst>
-                            <p:childTnLst>
-                              <p:par>
-                                <p:cTn id="30" presetID="10" presetClass="entr" presetSubtype="0" fill="hold" grpId="0" nodeType="clickEffect">
-                                  <p:stCondLst>
-                                    <p:cond delay="0"/>
-                                  </p:stCondLst>
-                                  <p:childTnLst>
-                                    <p:set>
-                                      <p:cBhvr>
-                                        <p:cTn id="31" dur="1" fill="hold">
-                                          <p:stCondLst>
-                                            <p:cond delay="0"/>
-                                          </p:stCondLst>
-                                        </p:cTn>
-                                        <p:tgtEl>
-                                          <p:spTgt spid="3">
-                                            <p:txEl>
-                                              <p:pRg st="1" end="1"/>
-                                            </p:txEl>
-                                          </p:spTgt>
-                                        </p:tgtEl>
-                                        <p:attrNameLst>
-                                          <p:attrName>style.visibility</p:attrName>
-                                        </p:attrNameLst>
-                                      </p:cBhvr>
-                                      <p:to>
-                                        <p:strVal val="visible"/>
-                                      </p:to>
-                                    </p:set>
-                                    <p:animEffect transition="in" filter="fade">
-                                      <p:cBhvr>
-                                        <p:cTn id="32" dur="500"/>
-                                        <p:tgtEl>
-                                          <p:spTgt spid="3">
-                                            <p:txEl>
-                                              <p:pRg st="1" end="1"/>
-                                            </p:txEl>
-                                          </p:spTgt>
-                                        </p:tgtEl>
-                                      </p:cBhvr>
-                                    </p:animEffect>
-                                  </p:childTnLst>
-                                </p:cTn>
-                              </p:par>
-                            </p:childTnLst>
-                          </p:cTn>
-                        </p:par>
-                      </p:childTnLst>
-                    </p:cTn>
-                  </p:par>
-                  <p:par>
-                    <p:cTn id="33" fill="hold">
-                      <p:stCondLst>
-                        <p:cond delay="indefinite"/>
-                      </p:stCondLst>
-                      <p:childTnLst>
-                        <p:par>
-                          <p:cTn id="34" fill="hold">
-                            <p:stCondLst>
-                              <p:cond delay="0"/>
-                            </p:stCondLst>
-                            <p:childTnLst>
-                              <p:par>
-                                <p:cTn id="35" presetID="10" presetClass="entr" presetSubtype="0" fill="hold" grpId="0" nodeType="clickEffect">
-                                  <p:stCondLst>
-                                    <p:cond delay="0"/>
-                                  </p:stCondLst>
-                                  <p:childTnLst>
-                                    <p:set>
-                                      <p:cBhvr>
-                                        <p:cTn id="36" dur="1" fill="hold">
-                                          <p:stCondLst>
-                                            <p:cond delay="0"/>
-                                          </p:stCondLst>
-                                        </p:cTn>
-                                        <p:tgtEl>
-                                          <p:spTgt spid="15"/>
-                                        </p:tgtEl>
-                                        <p:attrNameLst>
-                                          <p:attrName>style.visibility</p:attrName>
-                                        </p:attrNameLst>
-                                      </p:cBhvr>
-                                      <p:to>
-                                        <p:strVal val="visible"/>
-                                      </p:to>
-                                    </p:set>
-                                    <p:animEffect transition="in" filter="fade">
-                                      <p:cBhvr>
-                                        <p:cTn id="37" dur="500"/>
-                                        <p:tgtEl>
-                                          <p:spTgt spid="15"/>
-                                        </p:tgtEl>
-                                      </p:cBhvr>
-                                    </p:animEffect>
-                                  </p:childTnLst>
-                                </p:cTn>
-                              </p:par>
-                            </p:childTnLst>
-                          </p:cTn>
-                        </p:par>
-                      </p:childTnLst>
-                    </p:cTn>
-                  </p:par>
-                </p:childTnLst>
-              </p:cTn>
-              <p:prevCondLst>
-                <p:cond evt="onPrev" delay="0">
-                  <p:tgtEl>
-                    <p:sldTgt/>
-                  </p:tgtEl>
-                </p:cond>
-              </p:prevCondLst>
-              <p:nextCondLst>
-                <p:cond evt="onNext" delay="0">
-                  <p:tgtEl>
-                    <p:sldTgt/>
-                  </p:tgtEl>
-                </p:cond>
-              </p:nextCondLst>
-            </p:seq>
-          </p:childTnLst>
-        </p:cTn>
-      </p:par>
-    </p:tnLst>
-    <p:bldLst>
-      <p:bldP spid="3" grpId="0" uiExpand="1" build="p"/>
-      <p:bldP spid="4" grpId="0"/>
-      <p:bldP spid="5" grpId="0"/>
-      <p:bldP spid="8" grpId="0"/>
-      <p:bldP spid="14" grpId="0"/>
-      <p:bldP spid="15" grpId="0"/>
-    </p:bldLst>
-  </p:timing>
 </p:sld>
 </file>
 
@@ -16940,7 +15977,7 @@
           <p:nvPr>
             <p:extLst>
               <p:ext uri="{D42A27DB-BD31-4B8C-83A1-F6EECF244321}">
-                <p14:modId xmlns:p14="http://schemas.microsoft.com/office/powerpoint/2010/main" val="3751592772"/>
+                <p14:modId xmlns:p14="http://schemas.microsoft.com/office/powerpoint/2010/main" val="3162532007"/>
               </p:ext>
             </p:extLst>
           </p:nvPr>
@@ -17154,38 +16191,25 @@
           <a:lstStyle/>
           <a:p>
             <a:r>
-              <a:rPr lang="de-DE" sz="1600" err="1">
+              <a:rPr lang="de-DE" sz="1600" dirty="0">
                 <a:solidFill>
                   <a:schemeClr val="bg1"/>
                 </a:solidFill>
                 <a:latin typeface="Oceanwide QLt" panose="020B0004020203020204" pitchFamily="34" charset="0"/>
               </a:rPr>
-              <a:t>Enroll</a:t>
+              <a:t>Enroll-     </a:t>
             </a:r>
+          </a:p>
+          <a:p>
             <a:r>
-              <a:rPr lang="de-DE" sz="1600">
+              <a:rPr lang="de-DE" sz="1600" dirty="0">
                 <a:solidFill>
                   <a:schemeClr val="bg1"/>
                 </a:solidFill>
                 <a:latin typeface="Oceanwide QLt" panose="020B0004020203020204" pitchFamily="34" charset="0"/>
               </a:rPr>
-              <a:t>-      </a:t>
+              <a:t> ment</a:t>
             </a:r>
-            <a:r>
-              <a:rPr lang="de-DE" sz="1600" err="1">
-                <a:solidFill>
-                  <a:schemeClr val="bg1"/>
-                </a:solidFill>
-                <a:latin typeface="Oceanwide QLt" panose="020B0004020203020204" pitchFamily="34" charset="0"/>
-              </a:rPr>
-              <a:t>ment</a:t>
-            </a:r>
-            <a:endParaRPr lang="de-DE" sz="1600">
-              <a:solidFill>
-                <a:schemeClr val="bg1"/>
-              </a:solidFill>
-              <a:latin typeface="Oceanwide QLt" panose="020B0004020203020204" pitchFamily="34" charset="0"/>
-            </a:endParaRPr>
           </a:p>
         </p:txBody>
       </p:sp>
@@ -17218,20 +16242,25 @@
           <a:lstStyle/>
           <a:p>
             <a:r>
-              <a:rPr lang="de-DE" sz="1700" err="1">
+              <a:rPr lang="de-DE" sz="1700" dirty="0">
                 <a:solidFill>
                   <a:schemeClr val="bg1"/>
                 </a:solidFill>
                 <a:latin typeface="Oceanwide QLt" panose="020B0004020203020204" pitchFamily="34" charset="0"/>
               </a:rPr>
-              <a:t>Employ-ment</a:t>
+              <a:t>Employ-</a:t>
             </a:r>
-            <a:endParaRPr lang="de-DE" sz="1700">
-              <a:solidFill>
-                <a:schemeClr val="bg1"/>
-              </a:solidFill>
-              <a:latin typeface="Oceanwide QLt" panose="020B0004020203020204" pitchFamily="34" charset="0"/>
-            </a:endParaRPr>
+          </a:p>
+          <a:p>
+            <a:r>
+              <a:rPr lang="de-DE" sz="1700" dirty="0">
+                <a:solidFill>
+                  <a:schemeClr val="bg1"/>
+                </a:solidFill>
+                <a:latin typeface="Oceanwide QLt" panose="020B0004020203020204" pitchFamily="34" charset="0"/>
+              </a:rPr>
+              <a:t>ment</a:t>
+            </a:r>
           </a:p>
         </p:txBody>
       </p:sp>
@@ -17589,492 +16618,6 @@
   <p:clrMapOvr>
     <a:masterClrMapping/>
   </p:clrMapOvr>
-  <p:timing>
-    <p:tnLst>
-      <p:par>
-        <p:cTn id="1" dur="indefinite" restart="never" nodeType="tmRoot">
-          <p:childTnLst>
-            <p:seq concurrent="1" nextAc="seek">
-              <p:cTn id="2" dur="indefinite" nodeType="mainSeq">
-                <p:childTnLst>
-                  <p:par>
-                    <p:cTn id="3" fill="hold">
-                      <p:stCondLst>
-                        <p:cond delay="indefinite"/>
-                      </p:stCondLst>
-                      <p:childTnLst>
-                        <p:par>
-                          <p:cTn id="4" fill="hold">
-                            <p:stCondLst>
-                              <p:cond delay="0"/>
-                            </p:stCondLst>
-                            <p:childTnLst>
-                              <p:par>
-                                <p:cTn id="5" presetID="10" presetClass="entr" presetSubtype="0" fill="hold" grpId="0" nodeType="clickEffect">
-                                  <p:stCondLst>
-                                    <p:cond delay="0"/>
-                                  </p:stCondLst>
-                                  <p:childTnLst>
-                                    <p:set>
-                                      <p:cBhvr>
-                                        <p:cTn id="6" dur="1" fill="hold">
-                                          <p:stCondLst>
-                                            <p:cond delay="0"/>
-                                          </p:stCondLst>
-                                        </p:cTn>
-                                        <p:tgtEl>
-                                          <p:spTgt spid="13"/>
-                                        </p:tgtEl>
-                                        <p:attrNameLst>
-                                          <p:attrName>style.visibility</p:attrName>
-                                        </p:attrNameLst>
-                                      </p:cBhvr>
-                                      <p:to>
-                                        <p:strVal val="visible"/>
-                                      </p:to>
-                                    </p:set>
-                                    <p:animEffect transition="in" filter="fade">
-                                      <p:cBhvr>
-                                        <p:cTn id="7" dur="500"/>
-                                        <p:tgtEl>
-                                          <p:spTgt spid="13"/>
-                                        </p:tgtEl>
-                                      </p:cBhvr>
-                                    </p:animEffect>
-                                  </p:childTnLst>
-                                </p:cTn>
-                              </p:par>
-                              <p:par>
-                                <p:cTn id="8" presetID="10" presetClass="entr" presetSubtype="0" fill="hold" grpId="0" nodeType="withEffect">
-                                  <p:stCondLst>
-                                    <p:cond delay="0"/>
-                                  </p:stCondLst>
-                                  <p:childTnLst>
-                                    <p:set>
-                                      <p:cBhvr>
-                                        <p:cTn id="9" dur="1" fill="hold">
-                                          <p:stCondLst>
-                                            <p:cond delay="0"/>
-                                          </p:stCondLst>
-                                        </p:cTn>
-                                        <p:tgtEl>
-                                          <p:spTgt spid="5"/>
-                                        </p:tgtEl>
-                                        <p:attrNameLst>
-                                          <p:attrName>style.visibility</p:attrName>
-                                        </p:attrNameLst>
-                                      </p:cBhvr>
-                                      <p:to>
-                                        <p:strVal val="visible"/>
-                                      </p:to>
-                                    </p:set>
-                                    <p:animEffect transition="in" filter="fade">
-                                      <p:cBhvr>
-                                        <p:cTn id="10" dur="500"/>
-                                        <p:tgtEl>
-                                          <p:spTgt spid="5"/>
-                                        </p:tgtEl>
-                                      </p:cBhvr>
-                                    </p:animEffect>
-                                  </p:childTnLst>
-                                </p:cTn>
-                              </p:par>
-                            </p:childTnLst>
-                          </p:cTn>
-                        </p:par>
-                      </p:childTnLst>
-                    </p:cTn>
-                  </p:par>
-                  <p:par>
-                    <p:cTn id="11" fill="hold">
-                      <p:stCondLst>
-                        <p:cond delay="indefinite"/>
-                      </p:stCondLst>
-                      <p:childTnLst>
-                        <p:par>
-                          <p:cTn id="12" fill="hold">
-                            <p:stCondLst>
-                              <p:cond delay="0"/>
-                            </p:stCondLst>
-                            <p:childTnLst>
-                              <p:par>
-                                <p:cTn id="13" presetID="10" presetClass="entr" presetSubtype="0" fill="hold" grpId="0" nodeType="clickEffect">
-                                  <p:stCondLst>
-                                    <p:cond delay="0"/>
-                                  </p:stCondLst>
-                                  <p:childTnLst>
-                                    <p:set>
-                                      <p:cBhvr>
-                                        <p:cTn id="14" dur="1" fill="hold">
-                                          <p:stCondLst>
-                                            <p:cond delay="0"/>
-                                          </p:stCondLst>
-                                        </p:cTn>
-                                        <p:tgtEl>
-                                          <p:spTgt spid="11"/>
-                                        </p:tgtEl>
-                                        <p:attrNameLst>
-                                          <p:attrName>style.visibility</p:attrName>
-                                        </p:attrNameLst>
-                                      </p:cBhvr>
-                                      <p:to>
-                                        <p:strVal val="visible"/>
-                                      </p:to>
-                                    </p:set>
-                                    <p:animEffect transition="in" filter="fade">
-                                      <p:cBhvr>
-                                        <p:cTn id="15" dur="500"/>
-                                        <p:tgtEl>
-                                          <p:spTgt spid="11"/>
-                                        </p:tgtEl>
-                                      </p:cBhvr>
-                                    </p:animEffect>
-                                  </p:childTnLst>
-                                </p:cTn>
-                              </p:par>
-                            </p:childTnLst>
-                          </p:cTn>
-                        </p:par>
-                      </p:childTnLst>
-                    </p:cTn>
-                  </p:par>
-                  <p:par>
-                    <p:cTn id="16" fill="hold">
-                      <p:stCondLst>
-                        <p:cond delay="indefinite"/>
-                      </p:stCondLst>
-                      <p:childTnLst>
-                        <p:par>
-                          <p:cTn id="17" fill="hold">
-                            <p:stCondLst>
-                              <p:cond delay="0"/>
-                            </p:stCondLst>
-                            <p:childTnLst>
-                              <p:par>
-                                <p:cTn id="18" presetID="10" presetClass="entr" presetSubtype="0" fill="hold" grpId="0" nodeType="clickEffect">
-                                  <p:stCondLst>
-                                    <p:cond delay="0"/>
-                                  </p:stCondLst>
-                                  <p:childTnLst>
-                                    <p:set>
-                                      <p:cBhvr>
-                                        <p:cTn id="19" dur="1" fill="hold">
-                                          <p:stCondLst>
-                                            <p:cond delay="0"/>
-                                          </p:stCondLst>
-                                        </p:cTn>
-                                        <p:tgtEl>
-                                          <p:spTgt spid="17"/>
-                                        </p:tgtEl>
-                                        <p:attrNameLst>
-                                          <p:attrName>style.visibility</p:attrName>
-                                        </p:attrNameLst>
-                                      </p:cBhvr>
-                                      <p:to>
-                                        <p:strVal val="visible"/>
-                                      </p:to>
-                                    </p:set>
-                                    <p:animEffect transition="in" filter="fade">
-                                      <p:cBhvr>
-                                        <p:cTn id="20" dur="500"/>
-                                        <p:tgtEl>
-                                          <p:spTgt spid="17"/>
-                                        </p:tgtEl>
-                                      </p:cBhvr>
-                                    </p:animEffect>
-                                  </p:childTnLst>
-                                </p:cTn>
-                              </p:par>
-                            </p:childTnLst>
-                          </p:cTn>
-                        </p:par>
-                      </p:childTnLst>
-                    </p:cTn>
-                  </p:par>
-                  <p:par>
-                    <p:cTn id="21" fill="hold">
-                      <p:stCondLst>
-                        <p:cond delay="indefinite"/>
-                      </p:stCondLst>
-                      <p:childTnLst>
-                        <p:par>
-                          <p:cTn id="22" fill="hold">
-                            <p:stCondLst>
-                              <p:cond delay="0"/>
-                            </p:stCondLst>
-                            <p:childTnLst>
-                              <p:par>
-                                <p:cTn id="23" presetID="10" presetClass="entr" presetSubtype="0" fill="hold" grpId="0" nodeType="clickEffect">
-                                  <p:stCondLst>
-                                    <p:cond delay="0"/>
-                                  </p:stCondLst>
-                                  <p:childTnLst>
-                                    <p:set>
-                                      <p:cBhvr>
-                                        <p:cTn id="24" dur="1" fill="hold">
-                                          <p:stCondLst>
-                                            <p:cond delay="0"/>
-                                          </p:stCondLst>
-                                        </p:cTn>
-                                        <p:tgtEl>
-                                          <p:spTgt spid="18"/>
-                                        </p:tgtEl>
-                                        <p:attrNameLst>
-                                          <p:attrName>style.visibility</p:attrName>
-                                        </p:attrNameLst>
-                                      </p:cBhvr>
-                                      <p:to>
-                                        <p:strVal val="visible"/>
-                                      </p:to>
-                                    </p:set>
-                                    <p:animEffect transition="in" filter="fade">
-                                      <p:cBhvr>
-                                        <p:cTn id="25" dur="500"/>
-                                        <p:tgtEl>
-                                          <p:spTgt spid="18"/>
-                                        </p:tgtEl>
-                                      </p:cBhvr>
-                                    </p:animEffect>
-                                  </p:childTnLst>
-                                </p:cTn>
-                              </p:par>
-                            </p:childTnLst>
-                          </p:cTn>
-                        </p:par>
-                      </p:childTnLst>
-                    </p:cTn>
-                  </p:par>
-                  <p:par>
-                    <p:cTn id="26" fill="hold">
-                      <p:stCondLst>
-                        <p:cond delay="indefinite"/>
-                      </p:stCondLst>
-                      <p:childTnLst>
-                        <p:par>
-                          <p:cTn id="27" fill="hold">
-                            <p:stCondLst>
-                              <p:cond delay="0"/>
-                            </p:stCondLst>
-                            <p:childTnLst>
-                              <p:par>
-                                <p:cTn id="28" presetID="10" presetClass="entr" presetSubtype="0" fill="hold" grpId="0" nodeType="clickEffect">
-                                  <p:stCondLst>
-                                    <p:cond delay="0"/>
-                                  </p:stCondLst>
-                                  <p:childTnLst>
-                                    <p:set>
-                                      <p:cBhvr>
-                                        <p:cTn id="29" dur="1" fill="hold">
-                                          <p:stCondLst>
-                                            <p:cond delay="0"/>
-                                          </p:stCondLst>
-                                        </p:cTn>
-                                        <p:tgtEl>
-                                          <p:spTgt spid="19"/>
-                                        </p:tgtEl>
-                                        <p:attrNameLst>
-                                          <p:attrName>style.visibility</p:attrName>
-                                        </p:attrNameLst>
-                                      </p:cBhvr>
-                                      <p:to>
-                                        <p:strVal val="visible"/>
-                                      </p:to>
-                                    </p:set>
-                                    <p:animEffect transition="in" filter="fade">
-                                      <p:cBhvr>
-                                        <p:cTn id="30" dur="500"/>
-                                        <p:tgtEl>
-                                          <p:spTgt spid="19"/>
-                                        </p:tgtEl>
-                                      </p:cBhvr>
-                                    </p:animEffect>
-                                  </p:childTnLst>
-                                </p:cTn>
-                              </p:par>
-                            </p:childTnLst>
-                          </p:cTn>
-                        </p:par>
-                      </p:childTnLst>
-                    </p:cTn>
-                  </p:par>
-                  <p:par>
-                    <p:cTn id="31" fill="hold">
-                      <p:stCondLst>
-                        <p:cond delay="indefinite"/>
-                      </p:stCondLst>
-                      <p:childTnLst>
-                        <p:par>
-                          <p:cTn id="32" fill="hold">
-                            <p:stCondLst>
-                              <p:cond delay="0"/>
-                            </p:stCondLst>
-                            <p:childTnLst>
-                              <p:par>
-                                <p:cTn id="33" presetID="10" presetClass="entr" presetSubtype="0" fill="hold" grpId="0" nodeType="clickEffect">
-                                  <p:stCondLst>
-                                    <p:cond delay="0"/>
-                                  </p:stCondLst>
-                                  <p:childTnLst>
-                                    <p:set>
-                                      <p:cBhvr>
-                                        <p:cTn id="34" dur="1" fill="hold">
-                                          <p:stCondLst>
-                                            <p:cond delay="0"/>
-                                          </p:stCondLst>
-                                        </p:cTn>
-                                        <p:tgtEl>
-                                          <p:spTgt spid="6"/>
-                                        </p:tgtEl>
-                                        <p:attrNameLst>
-                                          <p:attrName>style.visibility</p:attrName>
-                                        </p:attrNameLst>
-                                      </p:cBhvr>
-                                      <p:to>
-                                        <p:strVal val="visible"/>
-                                      </p:to>
-                                    </p:set>
-                                    <p:animEffect transition="in" filter="fade">
-                                      <p:cBhvr>
-                                        <p:cTn id="35" dur="500"/>
-                                        <p:tgtEl>
-                                          <p:spTgt spid="6"/>
-                                        </p:tgtEl>
-                                      </p:cBhvr>
-                                    </p:animEffect>
-                                  </p:childTnLst>
-                                </p:cTn>
-                              </p:par>
-                              <p:par>
-                                <p:cTn id="36" presetID="10" presetClass="entr" presetSubtype="0" fill="hold" grpId="0" nodeType="withEffect">
-                                  <p:stCondLst>
-                                    <p:cond delay="0"/>
-                                  </p:stCondLst>
-                                  <p:childTnLst>
-                                    <p:set>
-                                      <p:cBhvr>
-                                        <p:cTn id="37" dur="1" fill="hold">
-                                          <p:stCondLst>
-                                            <p:cond delay="0"/>
-                                          </p:stCondLst>
-                                        </p:cTn>
-                                        <p:tgtEl>
-                                          <p:spTgt spid="14"/>
-                                        </p:tgtEl>
-                                        <p:attrNameLst>
-                                          <p:attrName>style.visibility</p:attrName>
-                                        </p:attrNameLst>
-                                      </p:cBhvr>
-                                      <p:to>
-                                        <p:strVal val="visible"/>
-                                      </p:to>
-                                    </p:set>
-                                    <p:animEffect transition="in" filter="fade">
-                                      <p:cBhvr>
-                                        <p:cTn id="38" dur="500"/>
-                                        <p:tgtEl>
-                                          <p:spTgt spid="14"/>
-                                        </p:tgtEl>
-                                      </p:cBhvr>
-                                    </p:animEffect>
-                                  </p:childTnLst>
-                                </p:cTn>
-                              </p:par>
-                            </p:childTnLst>
-                          </p:cTn>
-                        </p:par>
-                      </p:childTnLst>
-                    </p:cTn>
-                  </p:par>
-                  <p:par>
-                    <p:cTn id="39" fill="hold">
-                      <p:stCondLst>
-                        <p:cond delay="indefinite"/>
-                      </p:stCondLst>
-                      <p:childTnLst>
-                        <p:par>
-                          <p:cTn id="40" fill="hold">
-                            <p:stCondLst>
-                              <p:cond delay="0"/>
-                            </p:stCondLst>
-                            <p:childTnLst>
-                              <p:par>
-                                <p:cTn id="41" presetID="10" presetClass="entr" presetSubtype="0" fill="hold" grpId="0" nodeType="clickEffect">
-                                  <p:stCondLst>
-                                    <p:cond delay="0"/>
-                                  </p:stCondLst>
-                                  <p:childTnLst>
-                                    <p:set>
-                                      <p:cBhvr>
-                                        <p:cTn id="42" dur="1" fill="hold">
-                                          <p:stCondLst>
-                                            <p:cond delay="0"/>
-                                          </p:stCondLst>
-                                        </p:cTn>
-                                        <p:tgtEl>
-                                          <p:spTgt spid="20"/>
-                                        </p:tgtEl>
-                                        <p:attrNameLst>
-                                          <p:attrName>style.visibility</p:attrName>
-                                        </p:attrNameLst>
-                                      </p:cBhvr>
-                                      <p:to>
-                                        <p:strVal val="visible"/>
-                                      </p:to>
-                                    </p:set>
-                                    <p:animEffect transition="in" filter="fade">
-                                      <p:cBhvr>
-                                        <p:cTn id="43" dur="500"/>
-                                        <p:tgtEl>
-                                          <p:spTgt spid="20"/>
-                                        </p:tgtEl>
-                                      </p:cBhvr>
-                                    </p:animEffect>
-                                  </p:childTnLst>
-                                </p:cTn>
-                              </p:par>
-                            </p:childTnLst>
-                          </p:cTn>
-                        </p:par>
-                      </p:childTnLst>
-                    </p:cTn>
-                  </p:par>
-                </p:childTnLst>
-              </p:cTn>
-              <p:prevCondLst>
-                <p:cond evt="onPrev" delay="0">
-                  <p:tgtEl>
-                    <p:sldTgt/>
-                  </p:tgtEl>
-                </p:cond>
-              </p:prevCondLst>
-              <p:nextCondLst>
-                <p:cond evt="onNext" delay="0">
-                  <p:tgtEl>
-                    <p:sldTgt/>
-                  </p:tgtEl>
-                </p:cond>
-              </p:nextCondLst>
-            </p:seq>
-          </p:childTnLst>
-        </p:cTn>
-      </p:par>
-    </p:tnLst>
-    <p:bldLst>
-      <p:bldGraphic spid="5" grpId="0">
-        <p:bldAsOne/>
-      </p:bldGraphic>
-      <p:bldGraphic spid="6" grpId="0">
-        <p:bldAsOne/>
-      </p:bldGraphic>
-      <p:bldP spid="11" grpId="0" animBg="1"/>
-      <p:bldP spid="13" grpId="0" animBg="1"/>
-      <p:bldP spid="14" grpId="0" animBg="1"/>
-      <p:bldP spid="17" grpId="0" animBg="1"/>
-      <p:bldP spid="18" grpId="0" animBg="1"/>
-      <p:bldP spid="19" grpId="0" animBg="1"/>
-      <p:bldP spid="20" grpId="0" animBg="1"/>
-    </p:bldLst>
-  </p:timing>
 </p:sld>
 </file>
 
@@ -18124,8 +16667,8 @@
         </p:blipFill>
         <p:spPr bwMode="auto">
           <a:xfrm>
-            <a:off x="-412596" y="183995"/>
-            <a:ext cx="13757458" cy="6490010"/>
+            <a:off x="-1129533" y="110168"/>
+            <a:ext cx="13913956" cy="6563837"/>
           </a:xfrm>
           <a:prstGeom prst="rect">
             <a:avLst/>
@@ -19171,304 +17714,6 @@
   <p:clrMapOvr>
     <a:masterClrMapping/>
   </p:clrMapOvr>
-  <p:timing>
-    <p:tnLst>
-      <p:par>
-        <p:cTn id="1" dur="indefinite" restart="never" nodeType="tmRoot">
-          <p:childTnLst>
-            <p:seq concurrent="1" nextAc="seek">
-              <p:cTn id="2" dur="indefinite" nodeType="mainSeq">
-                <p:childTnLst>
-                  <p:par>
-                    <p:cTn id="3" fill="hold">
-                      <p:stCondLst>
-                        <p:cond delay="indefinite"/>
-                        <p:cond evt="onBegin" delay="0">
-                          <p:tn val="2"/>
-                        </p:cond>
-                      </p:stCondLst>
-                      <p:childTnLst>
-                        <p:par>
-                          <p:cTn id="4" fill="hold">
-                            <p:stCondLst>
-                              <p:cond delay="0"/>
-                            </p:stCondLst>
-                            <p:childTnLst>
-                              <p:par>
-                                <p:cTn id="5" presetID="10" presetClass="entr" presetSubtype="0" fill="hold" grpId="0" nodeType="withEffect">
-                                  <p:stCondLst>
-                                    <p:cond delay="1000"/>
-                                  </p:stCondLst>
-                                  <p:childTnLst>
-                                    <p:set>
-                                      <p:cBhvr>
-                                        <p:cTn id="6" dur="1" fill="hold">
-                                          <p:stCondLst>
-                                            <p:cond delay="0"/>
-                                          </p:stCondLst>
-                                        </p:cTn>
-                                        <p:tgtEl>
-                                          <p:spTgt spid="2"/>
-                                        </p:tgtEl>
-                                        <p:attrNameLst>
-                                          <p:attrName>style.visibility</p:attrName>
-                                        </p:attrNameLst>
-                                      </p:cBhvr>
-                                      <p:to>
-                                        <p:strVal val="visible"/>
-                                      </p:to>
-                                    </p:set>
-                                    <p:animEffect transition="in" filter="fade">
-                                      <p:cBhvr>
-                                        <p:cTn id="7" dur="500"/>
-                                        <p:tgtEl>
-                                          <p:spTgt spid="2"/>
-                                        </p:tgtEl>
-                                      </p:cBhvr>
-                                    </p:animEffect>
-                                  </p:childTnLst>
-                                </p:cTn>
-                              </p:par>
-                            </p:childTnLst>
-                          </p:cTn>
-                        </p:par>
-                        <p:par>
-                          <p:cTn id="8" fill="hold">
-                            <p:stCondLst>
-                              <p:cond delay="1500"/>
-                            </p:stCondLst>
-                            <p:childTnLst>
-                              <p:par>
-                                <p:cTn id="9" presetID="10" presetClass="entr" presetSubtype="0" fill="hold" grpId="0" nodeType="afterEffect">
-                                  <p:stCondLst>
-                                    <p:cond delay="0"/>
-                                  </p:stCondLst>
-                                  <p:iterate type="lt">
-                                    <p:tmPct val="10000"/>
-                                  </p:iterate>
-                                  <p:childTnLst>
-                                    <p:set>
-                                      <p:cBhvr>
-                                        <p:cTn id="10" dur="1" fill="hold">
-                                          <p:stCondLst>
-                                            <p:cond delay="0"/>
-                                          </p:stCondLst>
-                                        </p:cTn>
-                                        <p:tgtEl>
-                                          <p:spTgt spid="7"/>
-                                        </p:tgtEl>
-                                        <p:attrNameLst>
-                                          <p:attrName>style.visibility</p:attrName>
-                                        </p:attrNameLst>
-                                      </p:cBhvr>
-                                      <p:to>
-                                        <p:strVal val="visible"/>
-                                      </p:to>
-                                    </p:set>
-                                    <p:animEffect transition="in" filter="fade">
-                                      <p:cBhvr>
-                                        <p:cTn id="11" dur="500"/>
-                                        <p:tgtEl>
-                                          <p:spTgt spid="7"/>
-                                        </p:tgtEl>
-                                      </p:cBhvr>
-                                    </p:animEffect>
-                                  </p:childTnLst>
-                                </p:cTn>
-                              </p:par>
-                            </p:childTnLst>
-                          </p:cTn>
-                        </p:par>
-                      </p:childTnLst>
-                    </p:cTn>
-                  </p:par>
-                  <p:par>
-                    <p:cTn id="12" fill="hold">
-                      <p:stCondLst>
-                        <p:cond delay="indefinite"/>
-                      </p:stCondLst>
-                      <p:childTnLst>
-                        <p:par>
-                          <p:cTn id="13" fill="hold">
-                            <p:stCondLst>
-                              <p:cond delay="0"/>
-                            </p:stCondLst>
-                            <p:childTnLst>
-                              <p:par>
-                                <p:cTn id="14" presetID="10" presetClass="entr" presetSubtype="0" fill="hold" nodeType="clickEffect">
-                                  <p:stCondLst>
-                                    <p:cond delay="0"/>
-                                  </p:stCondLst>
-                                  <p:childTnLst>
-                                    <p:set>
-                                      <p:cBhvr>
-                                        <p:cTn id="15" dur="1" fill="hold">
-                                          <p:stCondLst>
-                                            <p:cond delay="0"/>
-                                          </p:stCondLst>
-                                        </p:cTn>
-                                        <p:tgtEl>
-                                          <p:spTgt spid="5"/>
-                                        </p:tgtEl>
-                                        <p:attrNameLst>
-                                          <p:attrName>style.visibility</p:attrName>
-                                        </p:attrNameLst>
-                                      </p:cBhvr>
-                                      <p:to>
-                                        <p:strVal val="visible"/>
-                                      </p:to>
-                                    </p:set>
-                                    <p:animEffect transition="in" filter="fade">
-                                      <p:cBhvr>
-                                        <p:cTn id="16" dur="1000"/>
-                                        <p:tgtEl>
-                                          <p:spTgt spid="5"/>
-                                        </p:tgtEl>
-                                      </p:cBhvr>
-                                    </p:animEffect>
-                                  </p:childTnLst>
-                                </p:cTn>
-                              </p:par>
-                            </p:childTnLst>
-                          </p:cTn>
-                        </p:par>
-                      </p:childTnLst>
-                    </p:cTn>
-                  </p:par>
-                  <p:par>
-                    <p:cTn id="17" fill="hold">
-                      <p:stCondLst>
-                        <p:cond delay="indefinite"/>
-                      </p:stCondLst>
-                      <p:childTnLst>
-                        <p:par>
-                          <p:cTn id="18" fill="hold">
-                            <p:stCondLst>
-                              <p:cond delay="0"/>
-                            </p:stCondLst>
-                            <p:childTnLst>
-                              <p:par>
-                                <p:cTn id="19" presetID="10" presetClass="entr" presetSubtype="0" fill="hold" grpId="0" nodeType="clickEffect">
-                                  <p:stCondLst>
-                                    <p:cond delay="0"/>
-                                  </p:stCondLst>
-                                  <p:childTnLst>
-                                    <p:set>
-                                      <p:cBhvr>
-                                        <p:cTn id="20" dur="1" fill="hold">
-                                          <p:stCondLst>
-                                            <p:cond delay="0"/>
-                                          </p:stCondLst>
-                                        </p:cTn>
-                                        <p:tgtEl>
-                                          <p:spTgt spid="4"/>
-                                        </p:tgtEl>
-                                        <p:attrNameLst>
-                                          <p:attrName>style.visibility</p:attrName>
-                                        </p:attrNameLst>
-                                      </p:cBhvr>
-                                      <p:to>
-                                        <p:strVal val="visible"/>
-                                      </p:to>
-                                    </p:set>
-                                    <p:animEffect transition="in" filter="fade">
-                                      <p:cBhvr>
-                                        <p:cTn id="21" dur="500"/>
-                                        <p:tgtEl>
-                                          <p:spTgt spid="4"/>
-                                        </p:tgtEl>
-                                      </p:cBhvr>
-                                    </p:animEffect>
-                                  </p:childTnLst>
-                                </p:cTn>
-                              </p:par>
-                            </p:childTnLst>
-                          </p:cTn>
-                        </p:par>
-                      </p:childTnLst>
-                    </p:cTn>
-                  </p:par>
-                  <p:par>
-                    <p:cTn id="22" fill="hold">
-                      <p:stCondLst>
-                        <p:cond delay="indefinite"/>
-                      </p:stCondLst>
-                      <p:childTnLst>
-                        <p:par>
-                          <p:cTn id="23" fill="hold">
-                            <p:stCondLst>
-                              <p:cond delay="0"/>
-                            </p:stCondLst>
-                            <p:childTnLst>
-                              <p:par>
-                                <p:cTn id="24" presetID="10" presetClass="entr" presetSubtype="0" fill="hold" grpId="0" nodeType="clickEffect">
-                                  <p:stCondLst>
-                                    <p:cond delay="0"/>
-                                  </p:stCondLst>
-                                  <p:childTnLst>
-                                    <p:set>
-                                      <p:cBhvr>
-                                        <p:cTn id="25" dur="1" fill="hold">
-                                          <p:stCondLst>
-                                            <p:cond delay="0"/>
-                                          </p:stCondLst>
-                                        </p:cTn>
-                                        <p:tgtEl>
-                                          <p:spTgt spid="6"/>
-                                        </p:tgtEl>
-                                        <p:attrNameLst>
-                                          <p:attrName>style.visibility</p:attrName>
-                                        </p:attrNameLst>
-                                      </p:cBhvr>
-                                      <p:to>
-                                        <p:strVal val="visible"/>
-                                      </p:to>
-                                    </p:set>
-                                    <p:animEffect transition="in" filter="fade">
-                                      <p:cBhvr>
-                                        <p:cTn id="26" dur="500"/>
-                                        <p:tgtEl>
-                                          <p:spTgt spid="6"/>
-                                        </p:tgtEl>
-                                      </p:cBhvr>
-                                    </p:animEffect>
-                                  </p:childTnLst>
-                                </p:cTn>
-                              </p:par>
-                            </p:childTnLst>
-                          </p:cTn>
-                        </p:par>
-                      </p:childTnLst>
-                    </p:cTn>
-                  </p:par>
-                </p:childTnLst>
-              </p:cTn>
-              <p:prevCondLst>
-                <p:cond evt="onPrev" delay="0">
-                  <p:tgtEl>
-                    <p:sldTgt/>
-                  </p:tgtEl>
-                </p:cond>
-              </p:prevCondLst>
-              <p:nextCondLst>
-                <p:cond evt="onNext" delay="0">
-                  <p:tgtEl>
-                    <p:sldTgt/>
-                  </p:tgtEl>
-                </p:cond>
-              </p:nextCondLst>
-            </p:seq>
-          </p:childTnLst>
-        </p:cTn>
-      </p:par>
-    </p:tnLst>
-    <p:bldLst>
-      <p:bldP spid="2" grpId="0"/>
-      <p:bldP spid="4" grpId="0"/>
-      <p:bldP spid="7" grpId="0"/>
-      <p:bldP spid="6" grpId="0"/>
-    </p:bldLst>
-  </p:timing>
 </p:sld>
 </file>
 
